--- a/262/Lectures/Ch3Privacy.pptx
+++ b/262/Lectures/Ch3Privacy.pptx
@@ -184,6 +184,22 @@
       </a:defRPr>
     </a:lvl9pPr>
   </p:defaultTextStyle>
+  <p:extLst>
+    <p:ext uri="{EFAFB233-063F-42B5-8137-9DF3F51BA10A}">
+      <p15:sldGuideLst xmlns:p15="http://schemas.microsoft.com/office/powerpoint/2012/main">
+        <p15:guide id="1" orient="horz" pos="2160">
+          <p15:clr>
+            <a:srgbClr val="A4A3A4"/>
+          </p15:clr>
+        </p15:guide>
+        <p15:guide id="2" pos="2880">
+          <p15:clr>
+            <a:srgbClr val="A4A3A4"/>
+          </p15:clr>
+        </p15:guide>
+      </p15:sldGuideLst>
+    </p:ext>
+  </p:extLst>
 </p:presentation>
 </file>
 
@@ -296,7 +312,7 @@
               <a:pPr>
                 <a:defRPr/>
               </a:pPr>
-              <a:t>9/11/2014</a:t>
+              <a:t>10/7/2014</a:t>
             </a:fld>
             <a:endParaRPr lang="en-US"/>
           </a:p>
@@ -834,6 +850,11 @@
         </p:txBody>
       </p:sp>
     </p:spTree>
+    <p:extLst>
+      <p:ext uri="{BB962C8B-B14F-4D97-AF65-F5344CB8AC3E}">
+        <p14:creationId xmlns:p14="http://schemas.microsoft.com/office/powerpoint/2010/main" val="3977429065"/>
+      </p:ext>
+    </p:extLst>
   </p:cSld>
   <p:clrMapOvr>
     <a:masterClrMapping/>
@@ -950,6 +971,11 @@
         </p:txBody>
       </p:sp>
     </p:spTree>
+    <p:extLst>
+      <p:ext uri="{BB962C8B-B14F-4D97-AF65-F5344CB8AC3E}">
+        <p14:creationId xmlns:p14="http://schemas.microsoft.com/office/powerpoint/2010/main" val="1967250864"/>
+      </p:ext>
+    </p:extLst>
   </p:cSld>
   <p:clrMapOvr>
     <a:masterClrMapping/>
@@ -1056,6 +1082,11 @@
         </p:txBody>
       </p:sp>
     </p:spTree>
+    <p:extLst>
+      <p:ext uri="{BB962C8B-B14F-4D97-AF65-F5344CB8AC3E}">
+        <p14:creationId xmlns:p14="http://schemas.microsoft.com/office/powerpoint/2010/main" val="3839224263"/>
+      </p:ext>
+    </p:extLst>
   </p:cSld>
   <p:clrMapOvr>
     <a:masterClrMapping/>
@@ -1177,6 +1208,11 @@
         </p:txBody>
       </p:sp>
     </p:spTree>
+    <p:extLst>
+      <p:ext uri="{BB962C8B-B14F-4D97-AF65-F5344CB8AC3E}">
+        <p14:creationId xmlns:p14="http://schemas.microsoft.com/office/powerpoint/2010/main" val="2799963373"/>
+      </p:ext>
+    </p:extLst>
   </p:cSld>
   <p:clrMapOvr>
     <a:masterClrMapping/>
@@ -1393,6 +1429,14 @@
   <p:clrMapOvr>
     <a:masterClrMapping/>
   </p:clrMapOvr>
+  <mc:AlternateContent xmlns:mc="http://schemas.openxmlformats.org/markup-compatibility/2006">
+    <mc:Choice xmlns:p14="http://schemas.microsoft.com/office/powerpoint/2010/main" Requires="p14">
+      <p:transition p14:dur="0"/>
+    </mc:Choice>
+    <mc:Fallback>
+      <p:transition/>
+    </mc:Fallback>
+  </mc:AlternateContent>
 </p:sldLayout>
 </file>
 
@@ -1604,6 +1648,14 @@
   <p:clrMapOvr>
     <a:masterClrMapping/>
   </p:clrMapOvr>
+  <mc:AlternateContent xmlns:mc="http://schemas.openxmlformats.org/markup-compatibility/2006">
+    <mc:Choice xmlns:p14="http://schemas.microsoft.com/office/powerpoint/2010/main" Requires="p14">
+      <p:transition p14:dur="0"/>
+    </mc:Choice>
+    <mc:Fallback>
+      <p:transition/>
+    </mc:Fallback>
+  </mc:AlternateContent>
 </p:sldLayout>
 </file>
 
@@ -1825,6 +1877,14 @@
   <p:clrMapOvr>
     <a:masterClrMapping/>
   </p:clrMapOvr>
+  <mc:AlternateContent xmlns:mc="http://schemas.openxmlformats.org/markup-compatibility/2006">
+    <mc:Choice xmlns:p14="http://schemas.microsoft.com/office/powerpoint/2010/main" Requires="p14">
+      <p:transition p14:dur="0"/>
+    </mc:Choice>
+    <mc:Fallback>
+      <p:transition/>
+    </mc:Fallback>
+  </mc:AlternateContent>
 </p:sldLayout>
 </file>
 
@@ -1993,6 +2053,14 @@
   <p:clrMapOvr>
     <a:masterClrMapping/>
   </p:clrMapOvr>
+  <mc:AlternateContent xmlns:mc="http://schemas.openxmlformats.org/markup-compatibility/2006">
+    <mc:Choice xmlns:p14="http://schemas.microsoft.com/office/powerpoint/2010/main" Requires="p14">
+      <p:transition p14:dur="0"/>
+    </mc:Choice>
+    <mc:Fallback>
+      <p:transition/>
+    </mc:Fallback>
+  </mc:AlternateContent>
 </p:sldLayout>
 </file>
 
@@ -2280,6 +2348,14 @@
   <p:clrMapOvr>
     <a:masterClrMapping/>
   </p:clrMapOvr>
+  <mc:AlternateContent xmlns:mc="http://schemas.openxmlformats.org/markup-compatibility/2006">
+    <mc:Choice xmlns:p14="http://schemas.microsoft.com/office/powerpoint/2010/main" Requires="p14">
+      <p:transition p14:dur="0"/>
+    </mc:Choice>
+    <mc:Fallback>
+      <p:transition/>
+    </mc:Fallback>
+  </mc:AlternateContent>
 </p:sldLayout>
 </file>
 
@@ -2609,6 +2685,14 @@
   <p:clrMapOvr>
     <a:masterClrMapping/>
   </p:clrMapOvr>
+  <mc:AlternateContent xmlns:mc="http://schemas.openxmlformats.org/markup-compatibility/2006">
+    <mc:Choice xmlns:p14="http://schemas.microsoft.com/office/powerpoint/2010/main" Requires="p14">
+      <p:transition p14:dur="0"/>
+    </mc:Choice>
+    <mc:Fallback>
+      <p:transition/>
+    </mc:Fallback>
+  </mc:AlternateContent>
 </p:sldLayout>
 </file>
 
@@ -3072,6 +3156,14 @@
   <p:clrMapOvr>
     <a:masterClrMapping/>
   </p:clrMapOvr>
+  <mc:AlternateContent xmlns:mc="http://schemas.openxmlformats.org/markup-compatibility/2006">
+    <mc:Choice xmlns:p14="http://schemas.microsoft.com/office/powerpoint/2010/main" Requires="p14">
+      <p:transition p14:dur="0"/>
+    </mc:Choice>
+    <mc:Fallback>
+      <p:transition/>
+    </mc:Fallback>
+  </mc:AlternateContent>
 </p:sldLayout>
 </file>
 
@@ -3231,6 +3323,14 @@
   <p:clrMapOvr>
     <a:masterClrMapping/>
   </p:clrMapOvr>
+  <mc:AlternateContent xmlns:mc="http://schemas.openxmlformats.org/markup-compatibility/2006">
+    <mc:Choice xmlns:p14="http://schemas.microsoft.com/office/powerpoint/2010/main" Requires="p14">
+      <p:transition p14:dur="0"/>
+    </mc:Choice>
+    <mc:Fallback>
+      <p:transition/>
+    </mc:Fallback>
+  </mc:AlternateContent>
 </p:sldLayout>
 </file>
 
@@ -3367,6 +3467,14 @@
   <p:clrMapOvr>
     <a:masterClrMapping/>
   </p:clrMapOvr>
+  <mc:AlternateContent xmlns:mc="http://schemas.openxmlformats.org/markup-compatibility/2006">
+    <mc:Choice xmlns:p14="http://schemas.microsoft.com/office/powerpoint/2010/main" Requires="p14">
+      <p:transition p14:dur="0"/>
+    </mc:Choice>
+    <mc:Fallback>
+      <p:transition/>
+    </mc:Fallback>
+  </mc:AlternateContent>
 </p:sldLayout>
 </file>
 
@@ -3685,6 +3793,14 @@
   <p:clrMapOvr>
     <a:masterClrMapping/>
   </p:clrMapOvr>
+  <mc:AlternateContent xmlns:mc="http://schemas.openxmlformats.org/markup-compatibility/2006">
+    <mc:Choice xmlns:p14="http://schemas.microsoft.com/office/powerpoint/2010/main" Requires="p14">
+      <p:transition p14:dur="0"/>
+    </mc:Choice>
+    <mc:Fallback>
+      <p:transition/>
+    </mc:Fallback>
+  </mc:AlternateContent>
 </p:sldLayout>
 </file>
 
@@ -3986,6 +4102,14 @@
   <p:clrMapOvr>
     <a:masterClrMapping/>
   </p:clrMapOvr>
+  <mc:AlternateContent xmlns:mc="http://schemas.openxmlformats.org/markup-compatibility/2006">
+    <mc:Choice xmlns:p14="http://schemas.microsoft.com/office/powerpoint/2010/main" Requires="p14">
+      <p:transition p14:dur="0"/>
+    </mc:Choice>
+    <mc:Fallback>
+      <p:transition/>
+    </mc:Fallback>
+  </mc:AlternateContent>
 </p:sldLayout>
 </file>
 
@@ -4280,6 +4404,14 @@
     <p:sldLayoutId id="2147483725" r:id="rId10"/>
     <p:sldLayoutId id="2147483726" r:id="rId11"/>
   </p:sldLayoutIdLst>
+  <mc:AlternateContent xmlns:mc="http://schemas.openxmlformats.org/markup-compatibility/2006">
+    <mc:Choice xmlns:p14="http://schemas.microsoft.com/office/powerpoint/2010/main" Requires="p14">
+      <p:transition p14:dur="0"/>
+    </mc:Choice>
+    <mc:Fallback>
+      <p:transition/>
+    </mc:Fallback>
+  </mc:AlternateContent>
   <p:hf hdr="0" dt="0"/>
   <p:txStyles>
     <p:titleStyle>
@@ -4780,6 +4912,14 @@
   <p:clrMapOvr>
     <a:masterClrMapping/>
   </p:clrMapOvr>
+  <mc:AlternateContent xmlns:mc="http://schemas.openxmlformats.org/markup-compatibility/2006">
+    <mc:Choice xmlns:p14="http://schemas.microsoft.com/office/powerpoint/2010/main" Requires="p14">
+      <p:transition p14:dur="0"/>
+    </mc:Choice>
+    <mc:Fallback>
+      <p:transition/>
+    </mc:Fallback>
+  </mc:AlternateContent>
   <p:timing>
     <p:tnLst>
       <p:par>
@@ -4951,6 +5091,14 @@
   <p:clrMapOvr>
     <a:masterClrMapping/>
   </p:clrMapOvr>
+  <mc:AlternateContent xmlns:mc="http://schemas.openxmlformats.org/markup-compatibility/2006">
+    <mc:Choice xmlns:p14="http://schemas.microsoft.com/office/powerpoint/2010/main" Requires="p14">
+      <p:transition p14:dur="0"/>
+    </mc:Choice>
+    <mc:Fallback>
+      <p:transition/>
+    </mc:Fallback>
+  </mc:AlternateContent>
 </p:sld>
 </file>
 
@@ -5150,6 +5298,14 @@
   <p:clrMapOvr>
     <a:masterClrMapping/>
   </p:clrMapOvr>
+  <mc:AlternateContent xmlns:mc="http://schemas.openxmlformats.org/markup-compatibility/2006">
+    <mc:Choice xmlns:p14="http://schemas.microsoft.com/office/powerpoint/2010/main" Requires="p14">
+      <p:transition p14:dur="0"/>
+    </mc:Choice>
+    <mc:Fallback>
+      <p:transition/>
+    </mc:Fallback>
+  </mc:AlternateContent>
 </p:sld>
 </file>
 
@@ -5333,6 +5489,14 @@
   <p:clrMapOvr>
     <a:masterClrMapping/>
   </p:clrMapOvr>
+  <mc:AlternateContent xmlns:mc="http://schemas.openxmlformats.org/markup-compatibility/2006">
+    <mc:Choice xmlns:p14="http://schemas.microsoft.com/office/powerpoint/2010/main" Requires="p14">
+      <p:transition p14:dur="0"/>
+    </mc:Choice>
+    <mc:Fallback>
+      <p:transition/>
+    </mc:Fallback>
+  </mc:AlternateContent>
   <p:timing>
     <p:tnLst>
       <p:par>
@@ -5636,6 +5800,14 @@
   <p:clrMapOvr>
     <a:masterClrMapping/>
   </p:clrMapOvr>
+  <mc:AlternateContent xmlns:mc="http://schemas.openxmlformats.org/markup-compatibility/2006">
+    <mc:Choice xmlns:p14="http://schemas.microsoft.com/office/powerpoint/2010/main" Requires="p14">
+      <p:transition p14:dur="0"/>
+    </mc:Choice>
+    <mc:Fallback>
+      <p:transition/>
+    </mc:Fallback>
+  </mc:AlternateContent>
   <p:timing>
     <p:tnLst>
       <p:par>
@@ -5858,6 +6030,14 @@
   <p:clrMapOvr>
     <a:masterClrMapping/>
   </p:clrMapOvr>
+  <mc:AlternateContent xmlns:mc="http://schemas.openxmlformats.org/markup-compatibility/2006">
+    <mc:Choice xmlns:p14="http://schemas.microsoft.com/office/powerpoint/2010/main" Requires="p14">
+      <p:transition p14:dur="0"/>
+    </mc:Choice>
+    <mc:Fallback>
+      <p:transition/>
+    </mc:Fallback>
+  </mc:AlternateContent>
 </p:sld>
 </file>
 
@@ -6004,6 +6184,14 @@
   <p:clrMapOvr>
     <a:masterClrMapping/>
   </p:clrMapOvr>
+  <mc:AlternateContent xmlns:mc="http://schemas.openxmlformats.org/markup-compatibility/2006">
+    <mc:Choice xmlns:p14="http://schemas.microsoft.com/office/powerpoint/2010/main" Requires="p14">
+      <p:transition p14:dur="0"/>
+    </mc:Choice>
+    <mc:Fallback>
+      <p:transition/>
+    </mc:Fallback>
+  </mc:AlternateContent>
 </p:sld>
 </file>
 
@@ -6275,6 +6463,14 @@
   <p:clrMapOvr>
     <a:masterClrMapping/>
   </p:clrMapOvr>
+  <mc:AlternateContent xmlns:mc="http://schemas.openxmlformats.org/markup-compatibility/2006">
+    <mc:Choice xmlns:p14="http://schemas.microsoft.com/office/powerpoint/2010/main" Requires="p14">
+      <p:transition p14:dur="0"/>
+    </mc:Choice>
+    <mc:Fallback>
+      <p:transition/>
+    </mc:Fallback>
+  </mc:AlternateContent>
 </p:sld>
 </file>
 
@@ -6626,6 +6822,14 @@
   <p:clrMapOvr>
     <a:masterClrMapping/>
   </p:clrMapOvr>
+  <mc:AlternateContent xmlns:mc="http://schemas.openxmlformats.org/markup-compatibility/2006">
+    <mc:Choice xmlns:p14="http://schemas.microsoft.com/office/powerpoint/2010/main" Requires="p14">
+      <p:transition p14:dur="0"/>
+    </mc:Choice>
+    <mc:Fallback>
+      <p:transition/>
+    </mc:Fallback>
+  </mc:AlternateContent>
 </p:sld>
 </file>
 
@@ -6782,6 +6986,14 @@
   <p:clrMapOvr>
     <a:masterClrMapping/>
   </p:clrMapOvr>
+  <mc:AlternateContent xmlns:mc="http://schemas.openxmlformats.org/markup-compatibility/2006">
+    <mc:Choice xmlns:p14="http://schemas.microsoft.com/office/powerpoint/2010/main" Requires="p14">
+      <p:transition p14:dur="0"/>
+    </mc:Choice>
+    <mc:Fallback>
+      <p:transition/>
+    </mc:Fallback>
+  </mc:AlternateContent>
 </p:sld>
 </file>
 
@@ -7062,6 +7274,14 @@
   <p:clrMapOvr>
     <a:masterClrMapping/>
   </p:clrMapOvr>
+  <mc:AlternateContent xmlns:mc="http://schemas.openxmlformats.org/markup-compatibility/2006">
+    <mc:Choice xmlns:p14="http://schemas.microsoft.com/office/powerpoint/2010/main" Requires="p14">
+      <p:transition p14:dur="0"/>
+    </mc:Choice>
+    <mc:Fallback>
+      <p:transition/>
+    </mc:Fallback>
+  </mc:AlternateContent>
 </p:sld>
 </file>
 
@@ -7245,6 +7465,14 @@
   <p:clrMapOvr>
     <a:masterClrMapping/>
   </p:clrMapOvr>
+  <mc:AlternateContent xmlns:mc="http://schemas.openxmlformats.org/markup-compatibility/2006">
+    <mc:Choice xmlns:p14="http://schemas.microsoft.com/office/powerpoint/2010/main" Requires="p14">
+      <p:transition p14:dur="0"/>
+    </mc:Choice>
+    <mc:Fallback>
+      <p:transition/>
+    </mc:Fallback>
+  </mc:AlternateContent>
   <p:timing>
     <p:tnLst>
       <p:par>
@@ -7381,6 +7609,14 @@
   <p:clrMapOvr>
     <a:masterClrMapping/>
   </p:clrMapOvr>
+  <mc:AlternateContent xmlns:mc="http://schemas.openxmlformats.org/markup-compatibility/2006">
+    <mc:Choice xmlns:p14="http://schemas.microsoft.com/office/powerpoint/2010/main" Requires="p14">
+      <p:transition p14:dur="0"/>
+    </mc:Choice>
+    <mc:Fallback>
+      <p:transition/>
+    </mc:Fallback>
+  </mc:AlternateContent>
 </p:sld>
 </file>
 
@@ -7564,6 +7800,14 @@
   <p:clrMapOvr>
     <a:masterClrMapping/>
   </p:clrMapOvr>
+  <mc:AlternateContent xmlns:mc="http://schemas.openxmlformats.org/markup-compatibility/2006">
+    <mc:Choice xmlns:p14="http://schemas.microsoft.com/office/powerpoint/2010/main" Requires="p14">
+      <p:transition p14:dur="0"/>
+    </mc:Choice>
+    <mc:Fallback>
+      <p:transition/>
+    </mc:Fallback>
+  </mc:AlternateContent>
 </p:sld>
 </file>
 
@@ -7706,6 +7950,14 @@
   <p:clrMapOvr>
     <a:masterClrMapping/>
   </p:clrMapOvr>
+  <mc:AlternateContent xmlns:mc="http://schemas.openxmlformats.org/markup-compatibility/2006">
+    <mc:Choice xmlns:p14="http://schemas.microsoft.com/office/powerpoint/2010/main" Requires="p14">
+      <p:transition p14:dur="0"/>
+    </mc:Choice>
+    <mc:Fallback>
+      <p:transition/>
+    </mc:Fallback>
+  </mc:AlternateContent>
 </p:sld>
 </file>
 
@@ -7899,6 +8151,14 @@
   <p:clrMapOvr>
     <a:masterClrMapping/>
   </p:clrMapOvr>
+  <mc:AlternateContent xmlns:mc="http://schemas.openxmlformats.org/markup-compatibility/2006">
+    <mc:Choice xmlns:p14="http://schemas.microsoft.com/office/powerpoint/2010/main" Requires="p14">
+      <p:transition p14:dur="0"/>
+    </mc:Choice>
+    <mc:Fallback>
+      <p:transition/>
+    </mc:Fallback>
+  </mc:AlternateContent>
 </p:sld>
 </file>
 
@@ -8068,6 +8328,14 @@
   <p:clrMapOvr>
     <a:masterClrMapping/>
   </p:clrMapOvr>
+  <mc:AlternateContent xmlns:mc="http://schemas.openxmlformats.org/markup-compatibility/2006">
+    <mc:Choice xmlns:p14="http://schemas.microsoft.com/office/powerpoint/2010/main" Requires="p14">
+      <p:transition p14:dur="0"/>
+    </mc:Choice>
+    <mc:Fallback>
+      <p:transition/>
+    </mc:Fallback>
+  </mc:AlternateContent>
 </p:sld>
 </file>
 
@@ -8240,6 +8508,14 @@
   <p:clrMapOvr>
     <a:masterClrMapping/>
   </p:clrMapOvr>
+  <mc:AlternateContent xmlns:mc="http://schemas.openxmlformats.org/markup-compatibility/2006">
+    <mc:Choice xmlns:p14="http://schemas.microsoft.com/office/powerpoint/2010/main" Requires="p14">
+      <p:transition p14:dur="0"/>
+    </mc:Choice>
+    <mc:Fallback>
+      <p:transition/>
+    </mc:Fallback>
+  </mc:AlternateContent>
 </p:sld>
 </file>
 
@@ -8407,6 +8683,14 @@
   <p:clrMapOvr>
     <a:masterClrMapping/>
   </p:clrMapOvr>
+  <mc:AlternateContent xmlns:mc="http://schemas.openxmlformats.org/markup-compatibility/2006">
+    <mc:Choice xmlns:p14="http://schemas.microsoft.com/office/powerpoint/2010/main" Requires="p14">
+      <p:transition p14:dur="0"/>
+    </mc:Choice>
+    <mc:Fallback>
+      <p:transition/>
+    </mc:Fallback>
+  </mc:AlternateContent>
 </p:sld>
 </file>
 
@@ -8586,6 +8870,14 @@
   <p:clrMapOvr>
     <a:masterClrMapping/>
   </p:clrMapOvr>
+  <mc:AlternateContent xmlns:mc="http://schemas.openxmlformats.org/markup-compatibility/2006">
+    <mc:Choice xmlns:p14="http://schemas.microsoft.com/office/powerpoint/2010/main" Requires="p14">
+      <p:transition p14:dur="0"/>
+    </mc:Choice>
+    <mc:Fallback>
+      <p:transition/>
+    </mc:Fallback>
+  </mc:AlternateContent>
 </p:sld>
 </file>
 
@@ -8754,6 +9046,14 @@
   <p:clrMapOvr>
     <a:masterClrMapping/>
   </p:clrMapOvr>
+  <mc:AlternateContent xmlns:mc="http://schemas.openxmlformats.org/markup-compatibility/2006">
+    <mc:Choice xmlns:p14="http://schemas.microsoft.com/office/powerpoint/2010/main" Requires="p14">
+      <p:transition p14:dur="0"/>
+    </mc:Choice>
+    <mc:Fallback>
+      <p:transition/>
+    </mc:Fallback>
+  </mc:AlternateContent>
 </p:sld>
 </file>
 
@@ -8922,6 +9222,14 @@
   <p:clrMapOvr>
     <a:masterClrMapping/>
   </p:clrMapOvr>
+  <mc:AlternateContent xmlns:mc="http://schemas.openxmlformats.org/markup-compatibility/2006">
+    <mc:Choice xmlns:p14="http://schemas.microsoft.com/office/powerpoint/2010/main" Requires="p14">
+      <p:transition p14:dur="0"/>
+    </mc:Choice>
+    <mc:Fallback>
+      <p:transition/>
+    </mc:Fallback>
+  </mc:AlternateContent>
 </p:sld>
 </file>
 
@@ -9027,6 +9335,14 @@
   <p:clrMapOvr>
     <a:masterClrMapping/>
   </p:clrMapOvr>
+  <mc:AlternateContent xmlns:mc="http://schemas.openxmlformats.org/markup-compatibility/2006">
+    <mc:Choice xmlns:p14="http://schemas.microsoft.com/office/powerpoint/2010/main" Requires="p14">
+      <p:transition p14:dur="0"/>
+    </mc:Choice>
+    <mc:Fallback>
+      <p:transition/>
+    </mc:Fallback>
+  </mc:AlternateContent>
   <p:timing>
     <p:tnLst>
       <p:par>
@@ -9170,6 +9486,14 @@
   <p:clrMapOvr>
     <a:masterClrMapping/>
   </p:clrMapOvr>
+  <mc:AlternateContent xmlns:mc="http://schemas.openxmlformats.org/markup-compatibility/2006">
+    <mc:Choice xmlns:p14="http://schemas.microsoft.com/office/powerpoint/2010/main" Requires="p14">
+      <p:transition p14:dur="0"/>
+    </mc:Choice>
+    <mc:Fallback>
+      <p:transition/>
+    </mc:Fallback>
+  </mc:AlternateContent>
 </p:sld>
 </file>
 
@@ -9376,6 +9700,14 @@
   <p:clrMapOvr>
     <a:masterClrMapping/>
   </p:clrMapOvr>
+  <mc:AlternateContent xmlns:mc="http://schemas.openxmlformats.org/markup-compatibility/2006">
+    <mc:Choice xmlns:p14="http://schemas.microsoft.com/office/powerpoint/2010/main" Requires="p14">
+      <p:transition p14:dur="0"/>
+    </mc:Choice>
+    <mc:Fallback>
+      <p:transition/>
+    </mc:Fallback>
+  </mc:AlternateContent>
 </p:sld>
 </file>
 
@@ -9509,6 +9841,14 @@
   <p:clrMapOvr>
     <a:masterClrMapping/>
   </p:clrMapOvr>
+  <mc:AlternateContent xmlns:mc="http://schemas.openxmlformats.org/markup-compatibility/2006">
+    <mc:Choice xmlns:p14="http://schemas.microsoft.com/office/powerpoint/2010/main" Requires="p14">
+      <p:transition p14:dur="0"/>
+    </mc:Choice>
+    <mc:Fallback>
+      <p:transition/>
+    </mc:Fallback>
+  </mc:AlternateContent>
 </p:sld>
 </file>
 
@@ -9683,6 +10023,14 @@
   <p:clrMapOvr>
     <a:masterClrMapping/>
   </p:clrMapOvr>
+  <mc:AlternateContent xmlns:mc="http://schemas.openxmlformats.org/markup-compatibility/2006">
+    <mc:Choice xmlns:p14="http://schemas.microsoft.com/office/powerpoint/2010/main" Requires="p14">
+      <p:transition p14:dur="0"/>
+    </mc:Choice>
+    <mc:Fallback>
+      <p:transition/>
+    </mc:Fallback>
+  </mc:AlternateContent>
 </p:sld>
 </file>
 
@@ -9840,6 +10188,14 @@
   <p:clrMapOvr>
     <a:masterClrMapping/>
   </p:clrMapOvr>
+  <mc:AlternateContent xmlns:mc="http://schemas.openxmlformats.org/markup-compatibility/2006">
+    <mc:Choice xmlns:p14="http://schemas.microsoft.com/office/powerpoint/2010/main" Requires="p14">
+      <p:transition p14:dur="0"/>
+    </mc:Choice>
+    <mc:Fallback>
+      <p:transition/>
+    </mc:Fallback>
+  </mc:AlternateContent>
 </p:sld>
 </file>
 
@@ -10002,6 +10358,14 @@
   <p:clrMapOvr>
     <a:masterClrMapping/>
   </p:clrMapOvr>
+  <mc:AlternateContent xmlns:mc="http://schemas.openxmlformats.org/markup-compatibility/2006">
+    <mc:Choice xmlns:p14="http://schemas.microsoft.com/office/powerpoint/2010/main" Requires="p14">
+      <p:transition p14:dur="0"/>
+    </mc:Choice>
+    <mc:Fallback>
+      <p:transition/>
+    </mc:Fallback>
+  </mc:AlternateContent>
 </p:sld>
 </file>
 
@@ -10189,6 +10553,14 @@
   <p:clrMapOvr>
     <a:masterClrMapping/>
   </p:clrMapOvr>
+  <mc:AlternateContent xmlns:mc="http://schemas.openxmlformats.org/markup-compatibility/2006">
+    <mc:Choice xmlns:p14="http://schemas.microsoft.com/office/powerpoint/2010/main" Requires="p14">
+      <p:transition p14:dur="0"/>
+    </mc:Choice>
+    <mc:Fallback>
+      <p:transition/>
+    </mc:Fallback>
+  </mc:AlternateContent>
 </p:sld>
 </file>
 
@@ -10360,6 +10732,14 @@
   <p:clrMapOvr>
     <a:masterClrMapping/>
   </p:clrMapOvr>
+  <mc:AlternateContent xmlns:mc="http://schemas.openxmlformats.org/markup-compatibility/2006">
+    <mc:Choice xmlns:p14="http://schemas.microsoft.com/office/powerpoint/2010/main" Requires="p14">
+      <p:transition p14:dur="0"/>
+    </mc:Choice>
+    <mc:Fallback>
+      <p:transition/>
+    </mc:Fallback>
+  </mc:AlternateContent>
 </p:sld>
 </file>
 
@@ -10496,6 +10876,14 @@
   <p:clrMapOvr>
     <a:masterClrMapping/>
   </p:clrMapOvr>
+  <mc:AlternateContent xmlns:mc="http://schemas.openxmlformats.org/markup-compatibility/2006">
+    <mc:Choice xmlns:p14="http://schemas.microsoft.com/office/powerpoint/2010/main" Requires="p14">
+      <p:transition p14:dur="0"/>
+    </mc:Choice>
+    <mc:Fallback>
+      <p:transition/>
+    </mc:Fallback>
+  </mc:AlternateContent>
 </p:sld>
 </file>
 
@@ -10727,6 +11115,14 @@
   <p:clrMapOvr>
     <a:masterClrMapping/>
   </p:clrMapOvr>
+  <mc:AlternateContent xmlns:mc="http://schemas.openxmlformats.org/markup-compatibility/2006">
+    <mc:Choice xmlns:p14="http://schemas.microsoft.com/office/powerpoint/2010/main" Requires="p14">
+      <p:transition p14:dur="0"/>
+    </mc:Choice>
+    <mc:Fallback>
+      <p:transition/>
+    </mc:Fallback>
+  </mc:AlternateContent>
 </p:sld>
 </file>
 
@@ -10894,9 +11290,14 @@
   <p:clrMapOvr>
     <a:masterClrMapping/>
   </p:clrMapOvr>
-  <p:transition spd="med">
-    <p:wipe dir="r"/>
-  </p:transition>
+  <mc:AlternateContent xmlns:mc="http://schemas.openxmlformats.org/markup-compatibility/2006">
+    <mc:Choice xmlns:p14="http://schemas.microsoft.com/office/powerpoint/2010/main" Requires="p14">
+      <p:transition p14:dur="0"/>
+    </mc:Choice>
+    <mc:Fallback>
+      <p:transition/>
+    </mc:Fallback>
+  </mc:AlternateContent>
   <p:timing>
     <p:tnLst>
       <p:par>
@@ -11120,6 +11521,14 @@
   <p:clrMapOvr>
     <a:masterClrMapping/>
   </p:clrMapOvr>
+  <mc:AlternateContent xmlns:mc="http://schemas.openxmlformats.org/markup-compatibility/2006">
+    <mc:Choice xmlns:p14="http://schemas.microsoft.com/office/powerpoint/2010/main" Requires="p14">
+      <p:transition p14:dur="0"/>
+    </mc:Choice>
+    <mc:Fallback>
+      <p:transition/>
+    </mc:Fallback>
+  </mc:AlternateContent>
 </p:sld>
 </file>
 
@@ -11301,6 +11710,14 @@
   <p:clrMapOvr>
     <a:masterClrMapping/>
   </p:clrMapOvr>
+  <mc:AlternateContent xmlns:mc="http://schemas.openxmlformats.org/markup-compatibility/2006">
+    <mc:Choice xmlns:p14="http://schemas.microsoft.com/office/powerpoint/2010/main" Requires="p14">
+      <p:transition p14:dur="0"/>
+    </mc:Choice>
+    <mc:Fallback>
+      <p:transition/>
+    </mc:Fallback>
+  </mc:AlternateContent>
 </p:sld>
 </file>
 
@@ -11651,6 +12068,14 @@
   <p:clrMapOvr>
     <a:masterClrMapping/>
   </p:clrMapOvr>
+  <mc:AlternateContent xmlns:mc="http://schemas.openxmlformats.org/markup-compatibility/2006">
+    <mc:Choice xmlns:p14="http://schemas.microsoft.com/office/powerpoint/2010/main" Requires="p14">
+      <p:transition p14:dur="0"/>
+    </mc:Choice>
+    <mc:Fallback>
+      <p:transition/>
+    </mc:Fallback>
+  </mc:AlternateContent>
 </p:sld>
 </file>
 
@@ -11796,6 +12221,14 @@
   <p:clrMapOvr>
     <a:masterClrMapping/>
   </p:clrMapOvr>
+  <mc:AlternateContent xmlns:mc="http://schemas.openxmlformats.org/markup-compatibility/2006">
+    <mc:Choice xmlns:p14="http://schemas.microsoft.com/office/powerpoint/2010/main" Requires="p14">
+      <p:transition p14:dur="0"/>
+    </mc:Choice>
+    <mc:Fallback>
+      <p:transition/>
+    </mc:Fallback>
+  </mc:AlternateContent>
 </p:sld>
 </file>
 
@@ -12009,6 +12442,14 @@
   <p:clrMapOvr>
     <a:masterClrMapping/>
   </p:clrMapOvr>
+  <mc:AlternateContent xmlns:mc="http://schemas.openxmlformats.org/markup-compatibility/2006">
+    <mc:Choice xmlns:p14="http://schemas.microsoft.com/office/powerpoint/2010/main" Requires="p14">
+      <p:transition p14:dur="0"/>
+    </mc:Choice>
+    <mc:Fallback>
+      <p:transition/>
+    </mc:Fallback>
+  </mc:AlternateContent>
 </p:sld>
 </file>
 
@@ -12184,6 +12625,14 @@
   <p:clrMapOvr>
     <a:masterClrMapping/>
   </p:clrMapOvr>
+  <mc:AlternateContent xmlns:mc="http://schemas.openxmlformats.org/markup-compatibility/2006">
+    <mc:Choice xmlns:p14="http://schemas.microsoft.com/office/powerpoint/2010/main" Requires="p14">
+      <p:transition p14:dur="0"/>
+    </mc:Choice>
+    <mc:Fallback>
+      <p:transition/>
+    </mc:Fallback>
+  </mc:AlternateContent>
 </p:sld>
 </file>
 
@@ -12331,6 +12780,14 @@
   <p:clrMapOvr>
     <a:masterClrMapping/>
   </p:clrMapOvr>
+  <mc:AlternateContent xmlns:mc="http://schemas.openxmlformats.org/markup-compatibility/2006">
+    <mc:Choice xmlns:p14="http://schemas.microsoft.com/office/powerpoint/2010/main" Requires="p14">
+      <p:transition p14:dur="0"/>
+    </mc:Choice>
+    <mc:Fallback>
+      <p:transition/>
+    </mc:Fallback>
+  </mc:AlternateContent>
 </p:sld>
 </file>
 
@@ -12537,6 +12994,14 @@
   <p:clrMapOvr>
     <a:masterClrMapping/>
   </p:clrMapOvr>
+  <mc:AlternateContent xmlns:mc="http://schemas.openxmlformats.org/markup-compatibility/2006">
+    <mc:Choice xmlns:p14="http://schemas.microsoft.com/office/powerpoint/2010/main" Requires="p14">
+      <p:transition p14:dur="0"/>
+    </mc:Choice>
+    <mc:Fallback>
+      <p:transition/>
+    </mc:Fallback>
+  </mc:AlternateContent>
 </p:sld>
 </file>
 
@@ -12727,6 +13192,14 @@
   <p:clrMapOvr>
     <a:masterClrMapping/>
   </p:clrMapOvr>
+  <mc:AlternateContent xmlns:mc="http://schemas.openxmlformats.org/markup-compatibility/2006">
+    <mc:Choice xmlns:p14="http://schemas.microsoft.com/office/powerpoint/2010/main" Requires="p14">
+      <p:transition p14:dur="0"/>
+    </mc:Choice>
+    <mc:Fallback>
+      <p:transition/>
+    </mc:Fallback>
+  </mc:AlternateContent>
 </p:sld>
 </file>
 
@@ -12875,6 +13348,14 @@
   <p:clrMapOvr>
     <a:masterClrMapping/>
   </p:clrMapOvr>
+  <mc:AlternateContent xmlns:mc="http://schemas.openxmlformats.org/markup-compatibility/2006">
+    <mc:Choice xmlns:p14="http://schemas.microsoft.com/office/powerpoint/2010/main" Requires="p14">
+      <p:transition p14:dur="0"/>
+    </mc:Choice>
+    <mc:Fallback>
+      <p:transition/>
+    </mc:Fallback>
+  </mc:AlternateContent>
 </p:sld>
 </file>
 
@@ -13051,6 +13532,14 @@
   <p:clrMapOvr>
     <a:masterClrMapping/>
   </p:clrMapOvr>
+  <mc:AlternateContent xmlns:mc="http://schemas.openxmlformats.org/markup-compatibility/2006">
+    <mc:Choice xmlns:p14="http://schemas.microsoft.com/office/powerpoint/2010/main" Requires="p14">
+      <p:transition p14:dur="0"/>
+    </mc:Choice>
+    <mc:Fallback>
+      <p:transition/>
+    </mc:Fallback>
+  </mc:AlternateContent>
 </p:sld>
 </file>
 
@@ -13172,11 +13661,7 @@
           <a:p>
             <a:r>
               <a:rPr lang="en-US" dirty="0" smtClean="0"/>
-              <a:t>Jan </a:t>
-            </a:r>
-            <a:r>
-              <a:rPr lang="en-US" dirty="0" smtClean="0"/>
-              <a:t>27, 2014 Data Privacy Day</a:t>
+              <a:t>Jan 27, 2014 Data Privacy Day</a:t>
             </a:r>
           </a:p>
           <a:p>
@@ -13312,6 +13797,14 @@
   <p:clrMapOvr>
     <a:masterClrMapping/>
   </p:clrMapOvr>
+  <mc:AlternateContent xmlns:mc="http://schemas.openxmlformats.org/markup-compatibility/2006">
+    <mc:Choice xmlns:p14="http://schemas.microsoft.com/office/powerpoint/2010/main" Requires="p14">
+      <p:transition p14:dur="0"/>
+    </mc:Choice>
+    <mc:Fallback>
+      <p:transition/>
+    </mc:Fallback>
+  </mc:AlternateContent>
   <p:timing>
     <p:tnLst>
       <p:par>
@@ -13496,6 +13989,14 @@
   <p:clrMapOvr>
     <a:masterClrMapping/>
   </p:clrMapOvr>
+  <mc:AlternateContent xmlns:mc="http://schemas.openxmlformats.org/markup-compatibility/2006">
+    <mc:Choice xmlns:p14="http://schemas.microsoft.com/office/powerpoint/2010/main" Requires="p14">
+      <p:transition p14:dur="0"/>
+    </mc:Choice>
+    <mc:Fallback>
+      <p:transition/>
+    </mc:Fallback>
+  </mc:AlternateContent>
   <p:timing>
     <p:tnLst>
       <p:par>
@@ -13595,7 +14096,6 @@
               <a:rPr lang="en-US" sz="2400" dirty="0" smtClean="0"/>
               <a:t>2) secrecy or concealment; and </a:t>
             </a:r>
-            <a:endParaRPr lang="en-US" sz="2400" dirty="0" smtClean="0"/>
           </a:p>
           <a:p>
             <a:pPr lvl="1"/>
@@ -13633,13 +14133,8 @@
             <a:pPr lvl="1"/>
             <a:r>
               <a:rPr lang="en-US" sz="2400" dirty="0" smtClean="0"/>
-              <a:t>3</a:t>
-            </a:r>
-            <a:r>
-              <a:rPr lang="en-US" sz="2400" dirty="0" smtClean="0"/>
-              <a:t>) freedom from intrusion. </a:t>
-            </a:r>
-            <a:endParaRPr lang="en-US" sz="2400" dirty="0" smtClean="0"/>
+              <a:t>3) freedom from intrusion. </a:t>
+            </a:r>
           </a:p>
           <a:p>
             <a:pPr lvl="1"/>
@@ -13730,6 +14225,14 @@
   <p:clrMapOvr>
     <a:masterClrMapping/>
   </p:clrMapOvr>
+  <mc:AlternateContent xmlns:mc="http://schemas.openxmlformats.org/markup-compatibility/2006">
+    <mc:Choice xmlns:p14="http://schemas.microsoft.com/office/powerpoint/2010/main" Requires="p14">
+      <p:transition p14:dur="0"/>
+    </mc:Choice>
+    <mc:Fallback>
+      <p:transition/>
+    </mc:Fallback>
+  </mc:AlternateContent>
   <p:timing>
     <p:tnLst>
       <p:par>
